--- a/docs/anatoliy/Презентация.pptx
+++ b/docs/anatoliy/Презентация.pptx
@@ -4,6 +4,9 @@
   <p:sldMasterIdLst>
     <p:sldMasterId id="2147483648" r:id="rId1"/>
   </p:sldMasterIdLst>
+  <p:notesMasterIdLst>
+    <p:notesMasterId r:id="rId14"/>
+  </p:notesMasterIdLst>
   <p:sldIdLst>
     <p:sldId id="256" r:id="rId2"/>
     <p:sldId id="257" r:id="rId3"/>
@@ -15,7 +18,8 @@
     <p:sldId id="262" r:id="rId9"/>
     <p:sldId id="264" r:id="rId10"/>
     <p:sldId id="266" r:id="rId11"/>
-    <p:sldId id="265" r:id="rId12"/>
+    <p:sldId id="267" r:id="rId12"/>
+    <p:sldId id="265" r:id="rId13"/>
   </p:sldIdLst>
   <p:sldSz cx="9144000" cy="6858000" type="screen4x3"/>
   <p:notesSz cx="6858000" cy="9144000"/>
@@ -117,6 +121,440 @@
 </p:presentation>
 </file>
 
+<file path=ppt/notesMasters/notesMaster1.xml><?xml version="1.0" encoding="utf-8"?>
+<p:notesMaster xmlns:a="http://schemas.openxmlformats.org/drawingml/2006/main" xmlns:r="http://schemas.openxmlformats.org/officeDocument/2006/relationships" xmlns:p="http://schemas.openxmlformats.org/presentationml/2006/main">
+  <p:cSld>
+    <p:bg>
+      <p:bgRef idx="1001">
+        <a:schemeClr val="bg1"/>
+      </p:bgRef>
+    </p:bg>
+    <p:spTree>
+      <p:nvGrpSpPr>
+        <p:cNvPr id="1" name=""/>
+        <p:cNvGrpSpPr/>
+        <p:nvPr/>
+      </p:nvGrpSpPr>
+      <p:grpSpPr>
+        <a:xfrm>
+          <a:off x="0" y="0"/>
+          <a:ext cx="0" cy="0"/>
+          <a:chOff x="0" y="0"/>
+          <a:chExt cx="0" cy="0"/>
+        </a:xfrm>
+      </p:grpSpPr>
+      <p:sp>
+        <p:nvSpPr>
+          <p:cNvPr id="2" name="Верхний колонтитул 1"/>
+          <p:cNvSpPr>
+            <a:spLocks noGrp="1"/>
+          </p:cNvSpPr>
+          <p:nvPr>
+            <p:ph type="hdr" sz="quarter"/>
+          </p:nvPr>
+        </p:nvSpPr>
+        <p:spPr>
+          <a:xfrm>
+            <a:off x="0" y="0"/>
+            <a:ext cx="2971800" cy="457200"/>
+          </a:xfrm>
+          <a:prstGeom prst="rect">
+            <a:avLst/>
+          </a:prstGeom>
+        </p:spPr>
+        <p:txBody>
+          <a:bodyPr vert="horz" lIns="91440" tIns="45720" rIns="91440" bIns="45720" rtlCol="0"/>
+          <a:lstStyle>
+            <a:lvl1pPr algn="l">
+              <a:defRPr sz="1200"/>
+            </a:lvl1pPr>
+          </a:lstStyle>
+          <a:p>
+            <a:endParaRPr lang="ru-RU"/>
+          </a:p>
+        </p:txBody>
+      </p:sp>
+      <p:sp>
+        <p:nvSpPr>
+          <p:cNvPr id="3" name="Дата 2"/>
+          <p:cNvSpPr>
+            <a:spLocks noGrp="1"/>
+          </p:cNvSpPr>
+          <p:nvPr>
+            <p:ph type="dt" idx="1"/>
+          </p:nvPr>
+        </p:nvSpPr>
+        <p:spPr>
+          <a:xfrm>
+            <a:off x="3884613" y="0"/>
+            <a:ext cx="2971800" cy="457200"/>
+          </a:xfrm>
+          <a:prstGeom prst="rect">
+            <a:avLst/>
+          </a:prstGeom>
+        </p:spPr>
+        <p:txBody>
+          <a:bodyPr vert="horz" lIns="91440" tIns="45720" rIns="91440" bIns="45720" rtlCol="0"/>
+          <a:lstStyle>
+            <a:lvl1pPr algn="r">
+              <a:defRPr sz="1200"/>
+            </a:lvl1pPr>
+          </a:lstStyle>
+          <a:p>
+            <a:fld id="{6D5CBE93-9855-4D87-B52C-4F65A73A8970}" type="datetimeFigureOut">
+              <a:rPr lang="ru-RU" smtClean="0"/>
+              <a:t>19.06.2014</a:t>
+            </a:fld>
+            <a:endParaRPr lang="ru-RU"/>
+          </a:p>
+        </p:txBody>
+      </p:sp>
+      <p:sp>
+        <p:nvSpPr>
+          <p:cNvPr id="4" name="Образ слайда 3"/>
+          <p:cNvSpPr>
+            <a:spLocks noGrp="1" noRot="1" noChangeAspect="1"/>
+          </p:cNvSpPr>
+          <p:nvPr>
+            <p:ph type="sldImg" idx="2"/>
+          </p:nvPr>
+        </p:nvSpPr>
+        <p:spPr>
+          <a:xfrm>
+            <a:off x="1143000" y="685800"/>
+            <a:ext cx="4572000" cy="3429000"/>
+          </a:xfrm>
+          <a:prstGeom prst="rect">
+            <a:avLst/>
+          </a:prstGeom>
+          <a:noFill/>
+          <a:ln w="12700">
+            <a:solidFill>
+              <a:prstClr val="black"/>
+            </a:solidFill>
+          </a:ln>
+        </p:spPr>
+        <p:txBody>
+          <a:bodyPr vert="horz" lIns="91440" tIns="45720" rIns="91440" bIns="45720" rtlCol="0" anchor="ctr"/>
+          <a:lstStyle/>
+          <a:p>
+            <a:endParaRPr lang="ru-RU"/>
+          </a:p>
+        </p:txBody>
+      </p:sp>
+      <p:sp>
+        <p:nvSpPr>
+          <p:cNvPr id="5" name="Заметки 4"/>
+          <p:cNvSpPr>
+            <a:spLocks noGrp="1"/>
+          </p:cNvSpPr>
+          <p:nvPr>
+            <p:ph type="body" sz="quarter" idx="3"/>
+          </p:nvPr>
+        </p:nvSpPr>
+        <p:spPr>
+          <a:xfrm>
+            <a:off x="685800" y="4343400"/>
+            <a:ext cx="5486400" cy="4114800"/>
+          </a:xfrm>
+          <a:prstGeom prst="rect">
+            <a:avLst/>
+          </a:prstGeom>
+        </p:spPr>
+        <p:txBody>
+          <a:bodyPr vert="horz" lIns="91440" tIns="45720" rIns="91440" bIns="45720" rtlCol="0"/>
+          <a:lstStyle/>
+          <a:p>
+            <a:pPr lvl="0"/>
+            <a:r>
+              <a:rPr lang="ru-RU" smtClean="0"/>
+              <a:t>Образец текста</a:t>
+            </a:r>
+          </a:p>
+          <a:p>
+            <a:pPr lvl="1"/>
+            <a:r>
+              <a:rPr lang="ru-RU" smtClean="0"/>
+              <a:t>Второй уровень</a:t>
+            </a:r>
+          </a:p>
+          <a:p>
+            <a:pPr lvl="2"/>
+            <a:r>
+              <a:rPr lang="ru-RU" smtClean="0"/>
+              <a:t>Третий уровень</a:t>
+            </a:r>
+          </a:p>
+          <a:p>
+            <a:pPr lvl="3"/>
+            <a:r>
+              <a:rPr lang="ru-RU" smtClean="0"/>
+              <a:t>Четвертый уровень</a:t>
+            </a:r>
+          </a:p>
+          <a:p>
+            <a:pPr lvl="4"/>
+            <a:r>
+              <a:rPr lang="ru-RU" smtClean="0"/>
+              <a:t>Пятый уровень</a:t>
+            </a:r>
+            <a:endParaRPr lang="ru-RU"/>
+          </a:p>
+        </p:txBody>
+      </p:sp>
+      <p:sp>
+        <p:nvSpPr>
+          <p:cNvPr id="6" name="Нижний колонтитул 5"/>
+          <p:cNvSpPr>
+            <a:spLocks noGrp="1"/>
+          </p:cNvSpPr>
+          <p:nvPr>
+            <p:ph type="ftr" sz="quarter" idx="4"/>
+          </p:nvPr>
+        </p:nvSpPr>
+        <p:spPr>
+          <a:xfrm>
+            <a:off x="0" y="8685213"/>
+            <a:ext cx="2971800" cy="457200"/>
+          </a:xfrm>
+          <a:prstGeom prst="rect">
+            <a:avLst/>
+          </a:prstGeom>
+        </p:spPr>
+        <p:txBody>
+          <a:bodyPr vert="horz" lIns="91440" tIns="45720" rIns="91440" bIns="45720" rtlCol="0" anchor="b"/>
+          <a:lstStyle>
+            <a:lvl1pPr algn="l">
+              <a:defRPr sz="1200"/>
+            </a:lvl1pPr>
+          </a:lstStyle>
+          <a:p>
+            <a:endParaRPr lang="ru-RU"/>
+          </a:p>
+        </p:txBody>
+      </p:sp>
+      <p:sp>
+        <p:nvSpPr>
+          <p:cNvPr id="7" name="Номер слайда 6"/>
+          <p:cNvSpPr>
+            <a:spLocks noGrp="1"/>
+          </p:cNvSpPr>
+          <p:nvPr>
+            <p:ph type="sldNum" sz="quarter" idx="5"/>
+          </p:nvPr>
+        </p:nvSpPr>
+        <p:spPr>
+          <a:xfrm>
+            <a:off x="3884613" y="8685213"/>
+            <a:ext cx="2971800" cy="457200"/>
+          </a:xfrm>
+          <a:prstGeom prst="rect">
+            <a:avLst/>
+          </a:prstGeom>
+        </p:spPr>
+        <p:txBody>
+          <a:bodyPr vert="horz" lIns="91440" tIns="45720" rIns="91440" bIns="45720" rtlCol="0" anchor="b"/>
+          <a:lstStyle>
+            <a:lvl1pPr algn="r">
+              <a:defRPr sz="1200"/>
+            </a:lvl1pPr>
+          </a:lstStyle>
+          <a:p>
+            <a:fld id="{B95F18D5-63CD-454B-AC5C-DE67D7F3382A}" type="slidenum">
+              <a:rPr lang="ru-RU" smtClean="0"/>
+              <a:t>‹#›</a:t>
+            </a:fld>
+            <a:endParaRPr lang="ru-RU"/>
+          </a:p>
+        </p:txBody>
+      </p:sp>
+    </p:spTree>
+    <p:extLst>
+      <p:ext uri="{BB962C8B-B14F-4D97-AF65-F5344CB8AC3E}">
+        <p14:creationId xmlns:p14="http://schemas.microsoft.com/office/powerpoint/2010/main" val="674850243"/>
+      </p:ext>
+    </p:extLst>
+  </p:cSld>
+  <p:clrMap bg1="lt1" tx1="dk1" bg2="lt2" tx2="dk2" accent1="accent1" accent2="accent2" accent3="accent3" accent4="accent4" accent5="accent5" accent6="accent6" hlink="hlink" folHlink="folHlink"/>
+  <p:notesStyle>
+    <a:lvl1pPr marL="0" algn="l" defTabSz="914400" rtl="0" eaLnBrk="1" latinLnBrk="0" hangingPunct="1">
+      <a:defRPr sz="1200" kern="1200">
+        <a:solidFill>
+          <a:schemeClr val="tx1"/>
+        </a:solidFill>
+        <a:latin typeface="+mn-lt"/>
+        <a:ea typeface="+mn-ea"/>
+        <a:cs typeface="+mn-cs"/>
+      </a:defRPr>
+    </a:lvl1pPr>
+    <a:lvl2pPr marL="457200" algn="l" defTabSz="914400" rtl="0" eaLnBrk="1" latinLnBrk="0" hangingPunct="1">
+      <a:defRPr sz="1200" kern="1200">
+        <a:solidFill>
+          <a:schemeClr val="tx1"/>
+        </a:solidFill>
+        <a:latin typeface="+mn-lt"/>
+        <a:ea typeface="+mn-ea"/>
+        <a:cs typeface="+mn-cs"/>
+      </a:defRPr>
+    </a:lvl2pPr>
+    <a:lvl3pPr marL="914400" algn="l" defTabSz="914400" rtl="0" eaLnBrk="1" latinLnBrk="0" hangingPunct="1">
+      <a:defRPr sz="1200" kern="1200">
+        <a:solidFill>
+          <a:schemeClr val="tx1"/>
+        </a:solidFill>
+        <a:latin typeface="+mn-lt"/>
+        <a:ea typeface="+mn-ea"/>
+        <a:cs typeface="+mn-cs"/>
+      </a:defRPr>
+    </a:lvl3pPr>
+    <a:lvl4pPr marL="1371600" algn="l" defTabSz="914400" rtl="0" eaLnBrk="1" latinLnBrk="0" hangingPunct="1">
+      <a:defRPr sz="1200" kern="1200">
+        <a:solidFill>
+          <a:schemeClr val="tx1"/>
+        </a:solidFill>
+        <a:latin typeface="+mn-lt"/>
+        <a:ea typeface="+mn-ea"/>
+        <a:cs typeface="+mn-cs"/>
+      </a:defRPr>
+    </a:lvl4pPr>
+    <a:lvl5pPr marL="1828800" algn="l" defTabSz="914400" rtl="0" eaLnBrk="1" latinLnBrk="0" hangingPunct="1">
+      <a:defRPr sz="1200" kern="1200">
+        <a:solidFill>
+          <a:schemeClr val="tx1"/>
+        </a:solidFill>
+        <a:latin typeface="+mn-lt"/>
+        <a:ea typeface="+mn-ea"/>
+        <a:cs typeface="+mn-cs"/>
+      </a:defRPr>
+    </a:lvl5pPr>
+    <a:lvl6pPr marL="2286000" algn="l" defTabSz="914400" rtl="0" eaLnBrk="1" latinLnBrk="0" hangingPunct="1">
+      <a:defRPr sz="1200" kern="1200">
+        <a:solidFill>
+          <a:schemeClr val="tx1"/>
+        </a:solidFill>
+        <a:latin typeface="+mn-lt"/>
+        <a:ea typeface="+mn-ea"/>
+        <a:cs typeface="+mn-cs"/>
+      </a:defRPr>
+    </a:lvl6pPr>
+    <a:lvl7pPr marL="2743200" algn="l" defTabSz="914400" rtl="0" eaLnBrk="1" latinLnBrk="0" hangingPunct="1">
+      <a:defRPr sz="1200" kern="1200">
+        <a:solidFill>
+          <a:schemeClr val="tx1"/>
+        </a:solidFill>
+        <a:latin typeface="+mn-lt"/>
+        <a:ea typeface="+mn-ea"/>
+        <a:cs typeface="+mn-cs"/>
+      </a:defRPr>
+    </a:lvl7pPr>
+    <a:lvl8pPr marL="3200400" algn="l" defTabSz="914400" rtl="0" eaLnBrk="1" latinLnBrk="0" hangingPunct="1">
+      <a:defRPr sz="1200" kern="1200">
+        <a:solidFill>
+          <a:schemeClr val="tx1"/>
+        </a:solidFill>
+        <a:latin typeface="+mn-lt"/>
+        <a:ea typeface="+mn-ea"/>
+        <a:cs typeface="+mn-cs"/>
+      </a:defRPr>
+    </a:lvl8pPr>
+    <a:lvl9pPr marL="3657600" algn="l" defTabSz="914400" rtl="0" eaLnBrk="1" latinLnBrk="0" hangingPunct="1">
+      <a:defRPr sz="1200" kern="1200">
+        <a:solidFill>
+          <a:schemeClr val="tx1"/>
+        </a:solidFill>
+        <a:latin typeface="+mn-lt"/>
+        <a:ea typeface="+mn-ea"/>
+        <a:cs typeface="+mn-cs"/>
+      </a:defRPr>
+    </a:lvl9pPr>
+  </p:notesStyle>
+</p:notesMaster>
+</file>
+
+<file path=ppt/notesSlides/notesSlide1.xml><?xml version="1.0" encoding="utf-8"?>
+<p:notes xmlns:a="http://schemas.openxmlformats.org/drawingml/2006/main" xmlns:r="http://schemas.openxmlformats.org/officeDocument/2006/relationships" xmlns:p="http://schemas.openxmlformats.org/presentationml/2006/main">
+  <p:cSld>
+    <p:spTree>
+      <p:nvGrpSpPr>
+        <p:cNvPr id="1" name=""/>
+        <p:cNvGrpSpPr/>
+        <p:nvPr/>
+      </p:nvGrpSpPr>
+      <p:grpSpPr>
+        <a:xfrm>
+          <a:off x="0" y="0"/>
+          <a:ext cx="0" cy="0"/>
+          <a:chOff x="0" y="0"/>
+          <a:chExt cx="0" cy="0"/>
+        </a:xfrm>
+      </p:grpSpPr>
+      <p:sp>
+        <p:nvSpPr>
+          <p:cNvPr id="2" name="Образ слайда 1"/>
+          <p:cNvSpPr>
+            <a:spLocks noGrp="1" noRot="1" noChangeAspect="1"/>
+          </p:cNvSpPr>
+          <p:nvPr>
+            <p:ph type="sldImg"/>
+          </p:nvPr>
+        </p:nvSpPr>
+        <p:spPr/>
+      </p:sp>
+      <p:sp>
+        <p:nvSpPr>
+          <p:cNvPr id="3" name="Заметки 2"/>
+          <p:cNvSpPr>
+            <a:spLocks noGrp="1"/>
+          </p:cNvSpPr>
+          <p:nvPr>
+            <p:ph type="body" idx="1"/>
+          </p:nvPr>
+        </p:nvSpPr>
+        <p:spPr/>
+        <p:txBody>
+          <a:bodyPr/>
+          <a:lstStyle/>
+          <a:p>
+            <a:endParaRPr lang="ru-RU"/>
+          </a:p>
+        </p:txBody>
+      </p:sp>
+      <p:sp>
+        <p:nvSpPr>
+          <p:cNvPr id="4" name="Номер слайда 3"/>
+          <p:cNvSpPr>
+            <a:spLocks noGrp="1"/>
+          </p:cNvSpPr>
+          <p:nvPr>
+            <p:ph type="sldNum" sz="quarter" idx="10"/>
+          </p:nvPr>
+        </p:nvSpPr>
+        <p:spPr/>
+        <p:txBody>
+          <a:bodyPr/>
+          <a:lstStyle/>
+          <a:p>
+            <a:fld id="{B95F18D5-63CD-454B-AC5C-DE67D7F3382A}" type="slidenum">
+              <a:rPr lang="ru-RU" smtClean="0"/>
+              <a:t>11</a:t>
+            </a:fld>
+            <a:endParaRPr lang="ru-RU"/>
+          </a:p>
+        </p:txBody>
+      </p:sp>
+    </p:spTree>
+    <p:extLst>
+      <p:ext uri="{BB962C8B-B14F-4D97-AF65-F5344CB8AC3E}">
+        <p14:creationId xmlns:p14="http://schemas.microsoft.com/office/powerpoint/2010/main" val="2669158711"/>
+      </p:ext>
+    </p:extLst>
+  </p:cSld>
+  <p:clrMapOvr>
+    <a:masterClrMapping/>
+  </p:clrMapOvr>
+</p:notes>
+</file>
+
 <file path=ppt/slideLayouts/slideLayout1.xml><?xml version="1.0" encoding="utf-8"?>
 <p:sldLayout xmlns:a="http://schemas.openxmlformats.org/drawingml/2006/main" xmlns:r="http://schemas.openxmlformats.org/officeDocument/2006/relationships" xmlns:p="http://schemas.openxmlformats.org/presentationml/2006/main" type="title" preserve="1">
   <p:cSld name="Титульный слайд">
@@ -296,9 +734,9 @@
           <a:bodyPr/>
           <a:lstStyle/>
           <a:p>
-            <a:fld id="{183756C4-8408-4EEB-9180-2CFEDFCF615C}" type="datetimeFigureOut">
-              <a:rPr lang="ru-RU" smtClean="0"/>
-              <a:t>18.06.2014</a:t>
+            <a:fld id="{6C042B4B-763B-4945-8B98-5C028A9CC08E}" type="datetime1">
+              <a:rPr lang="ru-RU" smtClean="0"/>
+              <a:t>19.06.2014</a:t>
             </a:fld>
             <a:endParaRPr lang="ru-RU"/>
           </a:p>
@@ -466,9 +904,9 @@
           <a:bodyPr/>
           <a:lstStyle/>
           <a:p>
-            <a:fld id="{183756C4-8408-4EEB-9180-2CFEDFCF615C}" type="datetimeFigureOut">
-              <a:rPr lang="ru-RU" smtClean="0"/>
-              <a:t>18.06.2014</a:t>
+            <a:fld id="{A973B53E-EBDC-4D41-9BD0-683B128523F2}" type="datetime1">
+              <a:rPr lang="ru-RU" smtClean="0"/>
+              <a:t>19.06.2014</a:t>
             </a:fld>
             <a:endParaRPr lang="ru-RU"/>
           </a:p>
@@ -646,9 +1084,9 @@
           <a:bodyPr/>
           <a:lstStyle/>
           <a:p>
-            <a:fld id="{183756C4-8408-4EEB-9180-2CFEDFCF615C}" type="datetimeFigureOut">
-              <a:rPr lang="ru-RU" smtClean="0"/>
-              <a:t>18.06.2014</a:t>
+            <a:fld id="{E59BD2BA-B867-4854-84A2-2D9C38007C98}" type="datetime1">
+              <a:rPr lang="ru-RU" smtClean="0"/>
+              <a:t>19.06.2014</a:t>
             </a:fld>
             <a:endParaRPr lang="ru-RU"/>
           </a:p>
@@ -816,9 +1254,9 @@
           <a:bodyPr/>
           <a:lstStyle/>
           <a:p>
-            <a:fld id="{183756C4-8408-4EEB-9180-2CFEDFCF615C}" type="datetimeFigureOut">
-              <a:rPr lang="ru-RU" smtClean="0"/>
-              <a:t>18.06.2014</a:t>
+            <a:fld id="{996D93A0-06A3-4548-AF4E-BE18566B2E35}" type="datetime1">
+              <a:rPr lang="ru-RU" smtClean="0"/>
+              <a:t>19.06.2014</a:t>
             </a:fld>
             <a:endParaRPr lang="ru-RU"/>
           </a:p>
@@ -1062,9 +1500,9 @@
           <a:bodyPr/>
           <a:lstStyle/>
           <a:p>
-            <a:fld id="{183756C4-8408-4EEB-9180-2CFEDFCF615C}" type="datetimeFigureOut">
-              <a:rPr lang="ru-RU" smtClean="0"/>
-              <a:t>18.06.2014</a:t>
+            <a:fld id="{EC1AF6C1-2083-4EC1-9663-4C3C10C2C5C5}" type="datetime1">
+              <a:rPr lang="ru-RU" smtClean="0"/>
+              <a:t>19.06.2014</a:t>
             </a:fld>
             <a:endParaRPr lang="ru-RU"/>
           </a:p>
@@ -1350,9 +1788,9 @@
           <a:bodyPr/>
           <a:lstStyle/>
           <a:p>
-            <a:fld id="{183756C4-8408-4EEB-9180-2CFEDFCF615C}" type="datetimeFigureOut">
-              <a:rPr lang="ru-RU" smtClean="0"/>
-              <a:t>18.06.2014</a:t>
+            <a:fld id="{8BDE51FC-44E6-49D6-BA4C-90D9744F4E18}" type="datetime1">
+              <a:rPr lang="ru-RU" smtClean="0"/>
+              <a:t>19.06.2014</a:t>
             </a:fld>
             <a:endParaRPr lang="ru-RU"/>
           </a:p>
@@ -1772,9 +2210,9 @@
           <a:bodyPr/>
           <a:lstStyle/>
           <a:p>
-            <a:fld id="{183756C4-8408-4EEB-9180-2CFEDFCF615C}" type="datetimeFigureOut">
-              <a:rPr lang="ru-RU" smtClean="0"/>
-              <a:t>18.06.2014</a:t>
+            <a:fld id="{163D4A5D-CDEB-4D0E-802D-DF306A1AAF7F}" type="datetime1">
+              <a:rPr lang="ru-RU" smtClean="0"/>
+              <a:t>19.06.2014</a:t>
             </a:fld>
             <a:endParaRPr lang="ru-RU"/>
           </a:p>
@@ -1890,9 +2328,9 @@
           <a:bodyPr/>
           <a:lstStyle/>
           <a:p>
-            <a:fld id="{183756C4-8408-4EEB-9180-2CFEDFCF615C}" type="datetimeFigureOut">
-              <a:rPr lang="ru-RU" smtClean="0"/>
-              <a:t>18.06.2014</a:t>
+            <a:fld id="{5EE47DF1-B1AF-44FF-BCCC-426F3A5D5426}" type="datetime1">
+              <a:rPr lang="ru-RU" smtClean="0"/>
+              <a:t>19.06.2014</a:t>
             </a:fld>
             <a:endParaRPr lang="ru-RU"/>
           </a:p>
@@ -1985,9 +2423,9 @@
           <a:bodyPr/>
           <a:lstStyle/>
           <a:p>
-            <a:fld id="{183756C4-8408-4EEB-9180-2CFEDFCF615C}" type="datetimeFigureOut">
-              <a:rPr lang="ru-RU" smtClean="0"/>
-              <a:t>18.06.2014</a:t>
+            <a:fld id="{11F21E1B-D419-44E1-9980-9EDFE6CCBFE0}" type="datetime1">
+              <a:rPr lang="ru-RU" smtClean="0"/>
+              <a:t>19.06.2014</a:t>
             </a:fld>
             <a:endParaRPr lang="ru-RU"/>
           </a:p>
@@ -2262,9 +2700,9 @@
           <a:bodyPr/>
           <a:lstStyle/>
           <a:p>
-            <a:fld id="{183756C4-8408-4EEB-9180-2CFEDFCF615C}" type="datetimeFigureOut">
-              <a:rPr lang="ru-RU" smtClean="0"/>
-              <a:t>18.06.2014</a:t>
+            <a:fld id="{ADAF14EF-AD68-4BED-A35E-E241A8B22113}" type="datetime1">
+              <a:rPr lang="ru-RU" smtClean="0"/>
+              <a:t>19.06.2014</a:t>
             </a:fld>
             <a:endParaRPr lang="ru-RU"/>
           </a:p>
@@ -2515,9 +2953,9 @@
           <a:bodyPr/>
           <a:lstStyle/>
           <a:p>
-            <a:fld id="{183756C4-8408-4EEB-9180-2CFEDFCF615C}" type="datetimeFigureOut">
-              <a:rPr lang="ru-RU" smtClean="0"/>
-              <a:t>18.06.2014</a:t>
+            <a:fld id="{BAA6BB43-AB73-4776-8128-9D2E319001CB}" type="datetime1">
+              <a:rPr lang="ru-RU" smtClean="0"/>
+              <a:t>19.06.2014</a:t>
             </a:fld>
             <a:endParaRPr lang="ru-RU"/>
           </a:p>
@@ -2728,9 +3166,9 @@
             </a:lvl1pPr>
           </a:lstStyle>
           <a:p>
-            <a:fld id="{183756C4-8408-4EEB-9180-2CFEDFCF615C}" type="datetimeFigureOut">
-              <a:rPr lang="ru-RU" smtClean="0"/>
-              <a:t>18.06.2014</a:t>
+            <a:fld id="{99AF3C61-CE13-4072-BE9D-03572695BBC9}" type="datetime1">
+              <a:rPr lang="ru-RU" smtClean="0"/>
+              <a:t>19.06.2014</a:t>
             </a:fld>
             <a:endParaRPr lang="ru-RU"/>
           </a:p>
@@ -2835,6 +3273,7 @@
     <p:sldLayoutId id="2147483658" r:id="rId10"/>
     <p:sldLayoutId id="2147483659" r:id="rId11"/>
   </p:sldLayoutIdLst>
+  <p:hf hdr="0" ftr="0" dt="0"/>
   <p:txStyles>
     <p:titleStyle>
       <a:lvl1pPr algn="ctr" defTabSz="914400" rtl="0" eaLnBrk="1" latinLnBrk="0" hangingPunct="1">
@@ -3361,11 +3800,6 @@
               </a:rPr>
               <a:t> А.В.</a:t>
             </a:r>
-            <a:endParaRPr lang="ru-RU" sz="2500" dirty="0" smtClean="0">
-              <a:solidFill>
-                <a:schemeClr val="tx1"/>
-              </a:solidFill>
-            </a:endParaRPr>
           </a:p>
           <a:p>
             <a:pPr algn="l"/>
@@ -3407,29 +3841,36 @@
                   <a:schemeClr val="tx1"/>
                 </a:solidFill>
               </a:rPr>
-              <a:t> </a:t>
-            </a:r>
-            <a:r>
-              <a:rPr lang="ru-RU" sz="2500" dirty="0" smtClean="0">
-                <a:solidFill>
-                  <a:schemeClr val="tx1"/>
-                </a:solidFill>
-              </a:rPr>
-              <a:t>О</a:t>
-            </a:r>
-            <a:r>
-              <a:rPr lang="ru-RU" sz="2500" dirty="0" smtClean="0">
-                <a:solidFill>
-                  <a:schemeClr val="tx1"/>
-                </a:solidFill>
-              </a:rPr>
-              <a:t>.М.</a:t>
+              <a:t> О.М.</a:t>
             </a:r>
             <a:endParaRPr lang="ru-RU" sz="2500" dirty="0">
               <a:solidFill>
                 <a:schemeClr val="tx1"/>
               </a:solidFill>
             </a:endParaRPr>
+          </a:p>
+        </p:txBody>
+      </p:sp>
+      <p:sp>
+        <p:nvSpPr>
+          <p:cNvPr id="3" name="Номер слайда 2"/>
+          <p:cNvSpPr>
+            <a:spLocks noGrp="1"/>
+          </p:cNvSpPr>
+          <p:nvPr>
+            <p:ph type="sldNum" sz="quarter" idx="12"/>
+          </p:nvPr>
+        </p:nvSpPr>
+        <p:spPr/>
+        <p:txBody>
+          <a:bodyPr/>
+          <a:lstStyle/>
+          <a:p>
+            <a:fld id="{0478D304-ECA5-484A-8A1A-CDC4B9CA9C03}" type="slidenum">
+              <a:rPr lang="ru-RU" smtClean="0"/>
+              <a:t>1</a:t>
+            </a:fld>
+            <a:endParaRPr lang="ru-RU"/>
           </a:p>
         </p:txBody>
       </p:sp>
@@ -4015,6 +4456,29 @@
           </a:extLst>
         </p:spPr>
       </p:pic>
+      <p:sp>
+        <p:nvSpPr>
+          <p:cNvPr id="3" name="Номер слайда 2"/>
+          <p:cNvSpPr>
+            <a:spLocks noGrp="1"/>
+          </p:cNvSpPr>
+          <p:nvPr>
+            <p:ph type="sldNum" sz="quarter" idx="12"/>
+          </p:nvPr>
+        </p:nvSpPr>
+        <p:spPr/>
+        <p:txBody>
+          <a:bodyPr/>
+          <a:lstStyle/>
+          <a:p>
+            <a:fld id="{0478D304-ECA5-484A-8A1A-CDC4B9CA9C03}" type="slidenum">
+              <a:rPr lang="ru-RU" smtClean="0"/>
+              <a:t>10</a:t>
+            </a:fld>
+            <a:endParaRPr lang="ru-RU"/>
+          </a:p>
+        </p:txBody>
+      </p:sp>
     </p:spTree>
     <p:extLst>
       <p:ext uri="{BB962C8B-B14F-4D97-AF65-F5344CB8AC3E}">
@@ -4054,6 +4518,140 @@
       </p:grpSpPr>
       <p:sp>
         <p:nvSpPr>
+          <p:cNvPr id="2" name="Заголовок 1"/>
+          <p:cNvSpPr>
+            <a:spLocks noGrp="1"/>
+          </p:cNvSpPr>
+          <p:nvPr>
+            <p:ph type="title"/>
+          </p:nvPr>
+        </p:nvSpPr>
+        <p:spPr/>
+        <p:txBody>
+          <a:bodyPr/>
+          <a:lstStyle/>
+          <a:p>
+            <a:r>
+              <a:rPr lang="uk-UA" dirty="0" smtClean="0"/>
+              <a:t>Висновки</a:t>
+            </a:r>
+            <a:endParaRPr lang="ru-RU" dirty="0"/>
+          </a:p>
+        </p:txBody>
+      </p:sp>
+      <p:sp>
+        <p:nvSpPr>
+          <p:cNvPr id="3" name="Объект 2"/>
+          <p:cNvSpPr>
+            <a:spLocks noGrp="1"/>
+          </p:cNvSpPr>
+          <p:nvPr>
+            <p:ph idx="1"/>
+          </p:nvPr>
+        </p:nvSpPr>
+        <p:spPr/>
+        <p:txBody>
+          <a:bodyPr/>
+          <a:lstStyle/>
+          <a:p>
+            <a:r>
+              <a:rPr lang="uk-UA" dirty="0"/>
+              <a:t>було реалізовано сховище для діагностичних даних </a:t>
+            </a:r>
+            <a:r>
+              <a:rPr lang="uk-UA" dirty="0" smtClean="0"/>
+              <a:t>локомотивів</a:t>
+            </a:r>
+            <a:r>
+              <a:rPr lang="uk-UA" dirty="0"/>
+              <a:t>;</a:t>
+            </a:r>
+            <a:endParaRPr lang="uk-UA" dirty="0" smtClean="0"/>
+          </a:p>
+          <a:p>
+            <a:r>
+              <a:rPr lang="uk-UA" dirty="0" smtClean="0"/>
+              <a:t>програмний продукт створено у вигляді </a:t>
+            </a:r>
+            <a:r>
+              <a:rPr lang="uk-UA" dirty="0" err="1" smtClean="0"/>
+              <a:t>веб-сервісу</a:t>
+            </a:r>
+            <a:r>
+              <a:rPr lang="uk-UA" dirty="0" smtClean="0"/>
+              <a:t>;</a:t>
+            </a:r>
+          </a:p>
+          <a:p>
+            <a:r>
+              <a:rPr lang="uk-UA" dirty="0" smtClean="0"/>
+              <a:t>в процесі розробки використовувались сучасні технології.</a:t>
+            </a:r>
+          </a:p>
+        </p:txBody>
+      </p:sp>
+      <p:sp>
+        <p:nvSpPr>
+          <p:cNvPr id="4" name="Номер слайда 3"/>
+          <p:cNvSpPr>
+            <a:spLocks noGrp="1"/>
+          </p:cNvSpPr>
+          <p:nvPr>
+            <p:ph type="sldNum" sz="quarter" idx="12"/>
+          </p:nvPr>
+        </p:nvSpPr>
+        <p:spPr/>
+        <p:txBody>
+          <a:bodyPr/>
+          <a:lstStyle/>
+          <a:p>
+            <a:fld id="{0478D304-ECA5-484A-8A1A-CDC4B9CA9C03}" type="slidenum">
+              <a:rPr lang="ru-RU" smtClean="0"/>
+              <a:t>11</a:t>
+            </a:fld>
+            <a:endParaRPr lang="ru-RU"/>
+          </a:p>
+        </p:txBody>
+      </p:sp>
+    </p:spTree>
+    <p:extLst>
+      <p:ext uri="{BB962C8B-B14F-4D97-AF65-F5344CB8AC3E}">
+        <p14:creationId xmlns:p14="http://schemas.microsoft.com/office/powerpoint/2010/main" val="1891846319"/>
+      </p:ext>
+    </p:extLst>
+  </p:cSld>
+  <p:clrMapOvr>
+    <a:masterClrMapping/>
+  </p:clrMapOvr>
+  <p:timing>
+    <p:tnLst>
+      <p:par>
+        <p:cTn id="1" dur="indefinite" restart="never" nodeType="tmRoot"/>
+      </p:par>
+    </p:tnLst>
+  </p:timing>
+</p:sld>
+</file>
+
+<file path=ppt/slides/slide12.xml><?xml version="1.0" encoding="utf-8"?>
+<p:sld xmlns:a="http://schemas.openxmlformats.org/drawingml/2006/main" xmlns:r="http://schemas.openxmlformats.org/officeDocument/2006/relationships" xmlns:p="http://schemas.openxmlformats.org/presentationml/2006/main">
+  <p:cSld>
+    <p:spTree>
+      <p:nvGrpSpPr>
+        <p:cNvPr id="1" name=""/>
+        <p:cNvGrpSpPr/>
+        <p:nvPr/>
+      </p:nvGrpSpPr>
+      <p:grpSpPr>
+        <a:xfrm>
+          <a:off x="0" y="0"/>
+          <a:ext cx="0" cy="0"/>
+          <a:chOff x="0" y="0"/>
+          <a:chExt cx="0" cy="0"/>
+        </a:xfrm>
+      </p:grpSpPr>
+      <p:sp>
+        <p:nvSpPr>
           <p:cNvPr id="3" name="Содержимое 2"/>
           <p:cNvSpPr>
             <a:spLocks noGrp="1"/>
@@ -4093,6 +4691,29 @@
               <a:t>!</a:t>
             </a:r>
             <a:endParaRPr lang="ru-RU" sz="8800" dirty="0"/>
+          </a:p>
+        </p:txBody>
+      </p:sp>
+      <p:sp>
+        <p:nvSpPr>
+          <p:cNvPr id="2" name="Номер слайда 1"/>
+          <p:cNvSpPr>
+            <a:spLocks noGrp="1"/>
+          </p:cNvSpPr>
+          <p:nvPr>
+            <p:ph type="sldNum" sz="quarter" idx="12"/>
+          </p:nvPr>
+        </p:nvSpPr>
+        <p:spPr/>
+        <p:txBody>
+          <a:bodyPr/>
+          <a:lstStyle/>
+          <a:p>
+            <a:fld id="{0478D304-ECA5-484A-8A1A-CDC4B9CA9C03}" type="slidenum">
+              <a:rPr lang="ru-RU" smtClean="0"/>
+              <a:t>12</a:t>
+            </a:fld>
+            <a:endParaRPr lang="ru-RU"/>
           </a:p>
         </p:txBody>
       </p:sp>
@@ -4178,7 +4799,11 @@
           <a:p>
             <a:r>
               <a:rPr lang="uk-UA" dirty="0" smtClean="0"/>
-              <a:t>Необхідно розробити сервіс з </a:t>
+              <a:t>необхідно </a:t>
+            </a:r>
+            <a:r>
+              <a:rPr lang="uk-UA" dirty="0" smtClean="0"/>
+              <a:t>розробити сервіс з </a:t>
             </a:r>
             <a:r>
               <a:rPr lang="uk-UA" dirty="0" err="1" smtClean="0"/>
@@ -4190,17 +4815,22 @@
             </a:r>
             <a:r>
               <a:rPr lang="uk-UA" dirty="0"/>
-              <a:t>що дозволить перегляд статистики систем діагностування локомотивів</a:t>
+              <a:t>що дозволить перегляд статистики систем діагностування </a:t>
             </a:r>
             <a:r>
               <a:rPr lang="uk-UA" dirty="0" smtClean="0"/>
-              <a:t>.</a:t>
-            </a:r>
+              <a:t>локомотивів</a:t>
+            </a:r>
+            <a:r>
+              <a:rPr lang="uk-UA" dirty="0"/>
+              <a:t>;</a:t>
+            </a:r>
+            <a:endParaRPr lang="uk-UA" dirty="0" smtClean="0"/>
           </a:p>
           <a:p>
             <a:r>
               <a:rPr lang="uk-UA" dirty="0" smtClean="0"/>
-              <a:t>Сервіс </a:t>
+              <a:t>сервіс </a:t>
             </a:r>
             <a:r>
               <a:rPr lang="uk-UA" dirty="0"/>
@@ -4210,6 +4840,29 @@
           </a:p>
           <a:p>
             <a:endParaRPr lang="ru-RU" dirty="0"/>
+          </a:p>
+        </p:txBody>
+      </p:sp>
+      <p:sp>
+        <p:nvSpPr>
+          <p:cNvPr id="4" name="Номер слайда 3"/>
+          <p:cNvSpPr>
+            <a:spLocks noGrp="1"/>
+          </p:cNvSpPr>
+          <p:nvPr>
+            <p:ph type="sldNum" sz="quarter" idx="12"/>
+          </p:nvPr>
+        </p:nvSpPr>
+        <p:spPr/>
+        <p:txBody>
+          <a:bodyPr/>
+          <a:lstStyle/>
+          <a:p>
+            <a:fld id="{0478D304-ECA5-484A-8A1A-CDC4B9CA9C03}" type="slidenum">
+              <a:rPr lang="ru-RU" smtClean="0"/>
+              <a:t>2</a:t>
+            </a:fld>
+            <a:endParaRPr lang="ru-RU"/>
           </a:p>
         </p:txBody>
       </p:sp>
@@ -4416,6 +5069,29 @@
           </a:p>
         </p:txBody>
       </p:sp>
+      <p:sp>
+        <p:nvSpPr>
+          <p:cNvPr id="3" name="Номер слайда 2"/>
+          <p:cNvSpPr>
+            <a:spLocks noGrp="1"/>
+          </p:cNvSpPr>
+          <p:nvPr>
+            <p:ph type="sldNum" sz="quarter" idx="12"/>
+          </p:nvPr>
+        </p:nvSpPr>
+        <p:spPr/>
+        <p:txBody>
+          <a:bodyPr/>
+          <a:lstStyle/>
+          <a:p>
+            <a:fld id="{0478D304-ECA5-484A-8A1A-CDC4B9CA9C03}" type="slidenum">
+              <a:rPr lang="ru-RU" smtClean="0"/>
+              <a:t>3</a:t>
+            </a:fld>
+            <a:endParaRPr lang="ru-RU"/>
+          </a:p>
+        </p:txBody>
+      </p:sp>
     </p:spTree>
     <p:extLst>
       <p:ext uri="{BB962C8B-B14F-4D97-AF65-F5344CB8AC3E}">
@@ -4489,7 +5165,7 @@
         <p:spPr/>
         <p:txBody>
           <a:bodyPr>
-            <a:normAutofit fontScale="92500" lnSpcReduction="10000"/>
+            <a:normAutofit/>
           </a:bodyPr>
           <a:lstStyle/>
           <a:p>
@@ -4497,8 +5173,20 @@
               <a:buNone/>
             </a:pPr>
             <a:r>
-              <a:rPr lang="uk-UA" dirty="0"/>
-              <a:t>Аналіз роботи  продукту </a:t>
+              <a:rPr lang="ru-RU" dirty="0" smtClean="0"/>
+              <a:t>В</a:t>
+            </a:r>
+            <a:r>
+              <a:rPr lang="uk-UA" dirty="0" err="1" smtClean="0"/>
+              <a:t>икористання</a:t>
+            </a:r>
+            <a:r>
+              <a:rPr lang="uk-UA" dirty="0" smtClean="0"/>
+              <a:t> </a:t>
+            </a:r>
+            <a:r>
+              <a:rPr lang="uk-UA" dirty="0" smtClean="0"/>
+              <a:t>продукту </a:t>
             </a:r>
             <a:r>
               <a:rPr lang="uk-UA" dirty="0" smtClean="0"/>
@@ -4512,28 +5200,6 @@
           <a:p>
             <a:r>
               <a:rPr lang="uk-UA" dirty="0" smtClean="0"/>
-              <a:t>уточнювати </a:t>
-            </a:r>
-            <a:r>
-              <a:rPr lang="uk-UA" dirty="0"/>
-              <a:t>перелік контрольованих </a:t>
-            </a:r>
-            <a:r>
-              <a:rPr lang="uk-UA" dirty="0" smtClean="0"/>
-              <a:t>параметрів</a:t>
-            </a:r>
-            <a:r>
-              <a:rPr lang="uk-UA" dirty="0"/>
-              <a:t>;</a:t>
-            </a:r>
-            <a:r>
-              <a:rPr lang="uk-UA" dirty="0" smtClean="0"/>
-              <a:t> </a:t>
-            </a:r>
-          </a:p>
-          <a:p>
-            <a:r>
-              <a:rPr lang="uk-UA" dirty="0" smtClean="0"/>
               <a:t>удосконалювати </a:t>
             </a:r>
             <a:r>
@@ -4547,21 +5213,37 @@
           </a:p>
           <a:p>
             <a:r>
+              <a:rPr lang="uk-UA" dirty="0"/>
+              <a:t>р</a:t>
+            </a:r>
+            <a:r>
               <a:rPr lang="uk-UA" dirty="0" smtClean="0"/>
-              <a:t>використовувати </a:t>
-            </a:r>
-            <a:r>
-              <a:rPr lang="uk-UA" dirty="0"/>
-              <a:t>інформацію при розробці й проектуванні вузлів локомотивів для забезпечення їх придатності до </a:t>
-            </a:r>
-            <a:r>
-              <a:rPr lang="uk-UA" dirty="0" smtClean="0"/>
-              <a:t>контролю.</a:t>
+              <a:t>еалізувати сховище діагностичних даних та забезпечити їх перегляд.</a:t>
             </a:r>
             <a:endParaRPr lang="ru-RU" dirty="0"/>
           </a:p>
-          <a:p>
-            <a:endParaRPr lang="ru-RU" dirty="0"/>
+        </p:txBody>
+      </p:sp>
+      <p:sp>
+        <p:nvSpPr>
+          <p:cNvPr id="4" name="Номер слайда 3"/>
+          <p:cNvSpPr>
+            <a:spLocks noGrp="1"/>
+          </p:cNvSpPr>
+          <p:nvPr>
+            <p:ph type="sldNum" sz="quarter" idx="12"/>
+          </p:nvPr>
+        </p:nvSpPr>
+        <p:spPr/>
+        <p:txBody>
+          <a:bodyPr/>
+          <a:lstStyle/>
+          <a:p>
+            <a:fld id="{0478D304-ECA5-484A-8A1A-CDC4B9CA9C03}" type="slidenum">
+              <a:rPr lang="ru-RU" smtClean="0"/>
+              <a:t>4</a:t>
+            </a:fld>
+            <a:endParaRPr lang="ru-RU"/>
           </a:p>
         </p:txBody>
       </p:sp>
@@ -4695,6 +5377,29 @@
           </a:ln>
         </p:spPr>
       </p:pic>
+      <p:sp>
+        <p:nvSpPr>
+          <p:cNvPr id="3" name="Номер слайда 2"/>
+          <p:cNvSpPr>
+            <a:spLocks noGrp="1"/>
+          </p:cNvSpPr>
+          <p:nvPr>
+            <p:ph type="sldNum" sz="quarter" idx="12"/>
+          </p:nvPr>
+        </p:nvSpPr>
+        <p:spPr/>
+        <p:txBody>
+          <a:bodyPr/>
+          <a:lstStyle/>
+          <a:p>
+            <a:fld id="{0478D304-ECA5-484A-8A1A-CDC4B9CA9C03}" type="slidenum">
+              <a:rPr lang="ru-RU" smtClean="0"/>
+              <a:t>5</a:t>
+            </a:fld>
+            <a:endParaRPr lang="ru-RU"/>
+          </a:p>
+        </p:txBody>
+      </p:sp>
     </p:spTree>
     <p:extLst>
       <p:ext uri="{BB962C8B-B14F-4D97-AF65-F5344CB8AC3E}">
@@ -4756,7 +5461,15 @@
           <a:p>
             <a:r>
               <a:rPr lang="uk-UA" dirty="0" smtClean="0"/>
-              <a:t>Архітектура програмування </a:t>
+              <a:t>Архітектура </a:t>
+            </a:r>
+            <a:r>
+              <a:rPr lang="uk-UA" dirty="0" smtClean="0"/>
+              <a:t>системи</a:t>
+            </a:r>
+            <a:r>
+              <a:rPr lang="uk-UA" dirty="0" smtClean="0"/>
+              <a:t/>
             </a:r>
             <a:br>
               <a:rPr lang="uk-UA" dirty="0" smtClean="0"/>
@@ -4813,6 +5526,29 @@
           </a:ln>
         </p:spPr>
       </p:pic>
+      <p:sp>
+        <p:nvSpPr>
+          <p:cNvPr id="3" name="Номер слайда 2"/>
+          <p:cNvSpPr>
+            <a:spLocks noGrp="1"/>
+          </p:cNvSpPr>
+          <p:nvPr>
+            <p:ph type="sldNum" sz="quarter" idx="12"/>
+          </p:nvPr>
+        </p:nvSpPr>
+        <p:spPr/>
+        <p:txBody>
+          <a:bodyPr/>
+          <a:lstStyle/>
+          <a:p>
+            <a:fld id="{0478D304-ECA5-484A-8A1A-CDC4B9CA9C03}" type="slidenum">
+              <a:rPr lang="ru-RU" smtClean="0"/>
+              <a:t>6</a:t>
+            </a:fld>
+            <a:endParaRPr lang="ru-RU"/>
+          </a:p>
+        </p:txBody>
+      </p:sp>
     </p:spTree>
     <p:extLst>
       <p:ext uri="{BB962C8B-B14F-4D97-AF65-F5344CB8AC3E}">
@@ -4944,6 +5680,29 @@
           </a:ln>
         </p:spPr>
       </p:pic>
+      <p:sp>
+        <p:nvSpPr>
+          <p:cNvPr id="5" name="Номер слайда 4"/>
+          <p:cNvSpPr>
+            <a:spLocks noGrp="1"/>
+          </p:cNvSpPr>
+          <p:nvPr>
+            <p:ph type="sldNum" sz="quarter" idx="12"/>
+          </p:nvPr>
+        </p:nvSpPr>
+        <p:spPr/>
+        <p:txBody>
+          <a:bodyPr/>
+          <a:lstStyle/>
+          <a:p>
+            <a:fld id="{0478D304-ECA5-484A-8A1A-CDC4B9CA9C03}" type="slidenum">
+              <a:rPr lang="ru-RU" smtClean="0"/>
+              <a:t>7</a:t>
+            </a:fld>
+            <a:endParaRPr lang="ru-RU"/>
+          </a:p>
+        </p:txBody>
+      </p:sp>
     </p:spTree>
     <p:extLst>
       <p:ext uri="{BB962C8B-B14F-4D97-AF65-F5344CB8AC3E}">
@@ -5043,6 +5802,29 @@
           </a:ln>
         </p:spPr>
       </p:pic>
+      <p:sp>
+        <p:nvSpPr>
+          <p:cNvPr id="3" name="Номер слайда 2"/>
+          <p:cNvSpPr>
+            <a:spLocks noGrp="1"/>
+          </p:cNvSpPr>
+          <p:nvPr>
+            <p:ph type="sldNum" sz="quarter" idx="12"/>
+          </p:nvPr>
+        </p:nvSpPr>
+        <p:spPr/>
+        <p:txBody>
+          <a:bodyPr/>
+          <a:lstStyle/>
+          <a:p>
+            <a:fld id="{0478D304-ECA5-484A-8A1A-CDC4B9CA9C03}" type="slidenum">
+              <a:rPr lang="ru-RU" smtClean="0"/>
+              <a:t>8</a:t>
+            </a:fld>
+            <a:endParaRPr lang="ru-RU"/>
+          </a:p>
+        </p:txBody>
+      </p:sp>
     </p:spTree>
     <p:extLst>
       <p:ext uri="{BB962C8B-B14F-4D97-AF65-F5344CB8AC3E}">
@@ -5103,7 +5885,7 @@
             </a:r>
             <a:r>
               <a:rPr lang="ru-RU" dirty="0" err="1" smtClean="0"/>
-              <a:t>автентифікації</a:t>
+              <a:t>аутентифікації</a:t>
             </a:r>
             <a:endParaRPr lang="ru-RU" dirty="0"/>
           </a:p>
@@ -5146,6 +5928,29 @@
           </a:ln>
         </p:spPr>
       </p:pic>
+      <p:sp>
+        <p:nvSpPr>
+          <p:cNvPr id="3" name="Номер слайда 2"/>
+          <p:cNvSpPr>
+            <a:spLocks noGrp="1"/>
+          </p:cNvSpPr>
+          <p:nvPr>
+            <p:ph type="sldNum" sz="quarter" idx="12"/>
+          </p:nvPr>
+        </p:nvSpPr>
+        <p:spPr/>
+        <p:txBody>
+          <a:bodyPr/>
+          <a:lstStyle/>
+          <a:p>
+            <a:fld id="{0478D304-ECA5-484A-8A1A-CDC4B9CA9C03}" type="slidenum">
+              <a:rPr lang="ru-RU" smtClean="0"/>
+              <a:t>9</a:t>
+            </a:fld>
+            <a:endParaRPr lang="ru-RU"/>
+          </a:p>
+        </p:txBody>
+      </p:sp>
     </p:spTree>
     <p:extLst>
       <p:ext uri="{BB962C8B-B14F-4D97-AF65-F5344CB8AC3E}">
@@ -5449,4 +6254,289 @@
   <a:objectDefaults/>
   <a:extraClrSchemeLst/>
 </a:theme>
+</file>
+
+<file path=ppt/theme/theme2.xml><?xml version="1.0" encoding="utf-8"?>
+<a:theme xmlns:a="http://schemas.openxmlformats.org/drawingml/2006/main" name="Тема Office">
+  <a:themeElements>
+    <a:clrScheme name="Стандартная">
+      <a:dk1>
+        <a:sysClr val="windowText" lastClr="000000"/>
+      </a:dk1>
+      <a:lt1>
+        <a:sysClr val="window" lastClr="FFFFFF"/>
+      </a:lt1>
+      <a:dk2>
+        <a:srgbClr val="1F497D"/>
+      </a:dk2>
+      <a:lt2>
+        <a:srgbClr val="EEECE1"/>
+      </a:lt2>
+      <a:accent1>
+        <a:srgbClr val="4F81BD"/>
+      </a:accent1>
+      <a:accent2>
+        <a:srgbClr val="C0504D"/>
+      </a:accent2>
+      <a:accent3>
+        <a:srgbClr val="9BBB59"/>
+      </a:accent3>
+      <a:accent4>
+        <a:srgbClr val="8064A2"/>
+      </a:accent4>
+      <a:accent5>
+        <a:srgbClr val="4BACC6"/>
+      </a:accent5>
+      <a:accent6>
+        <a:srgbClr val="F79646"/>
+      </a:accent6>
+      <a:hlink>
+        <a:srgbClr val="0000FF"/>
+      </a:hlink>
+      <a:folHlink>
+        <a:srgbClr val="800080"/>
+      </a:folHlink>
+    </a:clrScheme>
+    <a:fontScheme name="Стандартная">
+      <a:majorFont>
+        <a:latin typeface="Calibri"/>
+        <a:ea typeface=""/>
+        <a:cs typeface=""/>
+        <a:font script="Jpan" typeface="ＭＳ Ｐゴシック"/>
+        <a:font script="Hang" typeface="맑은 고딕"/>
+        <a:font script="Hans" typeface="宋体"/>
+        <a:font script="Hant" typeface="新細明體"/>
+        <a:font script="Arab" typeface="Times New Roman"/>
+        <a:font script="Hebr" typeface="Times New Roman"/>
+        <a:font script="Thai" typeface="Angsana New"/>
+        <a:font script="Ethi" typeface="Nyala"/>
+        <a:font script="Beng" typeface="Vrinda"/>
+        <a:font script="Gujr" typeface="Shruti"/>
+        <a:font script="Khmr" typeface="MoolBoran"/>
+        <a:font script="Knda" typeface="Tunga"/>
+        <a:font script="Guru" typeface="Raavi"/>
+        <a:font script="Cans" typeface="Euphemia"/>
+        <a:font script="Cher" typeface="Plantagenet Cherokee"/>
+        <a:font script="Yiii" typeface="Microsoft Yi Baiti"/>
+        <a:font script="Tibt" typeface="Microsoft Himalaya"/>
+        <a:font script="Thaa" typeface="MV Boli"/>
+        <a:font script="Deva" typeface="Mangal"/>
+        <a:font script="Telu" typeface="Gautami"/>
+        <a:font script="Taml" typeface="Latha"/>
+        <a:font script="Syrc" typeface="Estrangelo Edessa"/>
+        <a:font script="Orya" typeface="Kalinga"/>
+        <a:font script="Mlym" typeface="Kartika"/>
+        <a:font script="Laoo" typeface="DokChampa"/>
+        <a:font script="Sinh" typeface="Iskoola Pota"/>
+        <a:font script="Mong" typeface="Mongolian Baiti"/>
+        <a:font script="Viet" typeface="Times New Roman"/>
+        <a:font script="Uigh" typeface="Microsoft Uighur"/>
+        <a:font script="Geor" typeface="Sylfaen"/>
+      </a:majorFont>
+      <a:minorFont>
+        <a:latin typeface="Calibri"/>
+        <a:ea typeface=""/>
+        <a:cs typeface=""/>
+        <a:font script="Jpan" typeface="ＭＳ Ｐゴシック"/>
+        <a:font script="Hang" typeface="맑은 고딕"/>
+        <a:font script="Hans" typeface="宋体"/>
+        <a:font script="Hant" typeface="新細明體"/>
+        <a:font script="Arab" typeface="Arial"/>
+        <a:font script="Hebr" typeface="Arial"/>
+        <a:font script="Thai" typeface="Cordia New"/>
+        <a:font script="Ethi" typeface="Nyala"/>
+        <a:font script="Beng" typeface="Vrinda"/>
+        <a:font script="Gujr" typeface="Shruti"/>
+        <a:font script="Khmr" typeface="DaunPenh"/>
+        <a:font script="Knda" typeface="Tunga"/>
+        <a:font script="Guru" typeface="Raavi"/>
+        <a:font script="Cans" typeface="Euphemia"/>
+        <a:font script="Cher" typeface="Plantagenet Cherokee"/>
+        <a:font script="Yiii" typeface="Microsoft Yi Baiti"/>
+        <a:font script="Tibt" typeface="Microsoft Himalaya"/>
+        <a:font script="Thaa" typeface="MV Boli"/>
+        <a:font script="Deva" typeface="Mangal"/>
+        <a:font script="Telu" typeface="Gautami"/>
+        <a:font script="Taml" typeface="Latha"/>
+        <a:font script="Syrc" typeface="Estrangelo Edessa"/>
+        <a:font script="Orya" typeface="Kalinga"/>
+        <a:font script="Mlym" typeface="Kartika"/>
+        <a:font script="Laoo" typeface="DokChampa"/>
+        <a:font script="Sinh" typeface="Iskoola Pota"/>
+        <a:font script="Mong" typeface="Mongolian Baiti"/>
+        <a:font script="Viet" typeface="Arial"/>
+        <a:font script="Uigh" typeface="Microsoft Uighur"/>
+        <a:font script="Geor" typeface="Sylfaen"/>
+      </a:minorFont>
+    </a:fontScheme>
+    <a:fmtScheme name="Стандартная">
+      <a:fillStyleLst>
+        <a:solidFill>
+          <a:schemeClr val="phClr"/>
+        </a:solidFill>
+        <a:gradFill rotWithShape="1">
+          <a:gsLst>
+            <a:gs pos="0">
+              <a:schemeClr val="phClr">
+                <a:tint val="50000"/>
+                <a:satMod val="300000"/>
+              </a:schemeClr>
+            </a:gs>
+            <a:gs pos="35000">
+              <a:schemeClr val="phClr">
+                <a:tint val="37000"/>
+                <a:satMod val="300000"/>
+              </a:schemeClr>
+            </a:gs>
+            <a:gs pos="100000">
+              <a:schemeClr val="phClr">
+                <a:tint val="15000"/>
+                <a:satMod val="350000"/>
+              </a:schemeClr>
+            </a:gs>
+          </a:gsLst>
+          <a:lin ang="16200000" scaled="1"/>
+        </a:gradFill>
+        <a:gradFill rotWithShape="1">
+          <a:gsLst>
+            <a:gs pos="0">
+              <a:schemeClr val="phClr">
+                <a:shade val="51000"/>
+                <a:satMod val="130000"/>
+              </a:schemeClr>
+            </a:gs>
+            <a:gs pos="80000">
+              <a:schemeClr val="phClr">
+                <a:shade val="93000"/>
+                <a:satMod val="130000"/>
+              </a:schemeClr>
+            </a:gs>
+            <a:gs pos="100000">
+              <a:schemeClr val="phClr">
+                <a:shade val="94000"/>
+                <a:satMod val="135000"/>
+              </a:schemeClr>
+            </a:gs>
+          </a:gsLst>
+          <a:lin ang="16200000" scaled="0"/>
+        </a:gradFill>
+      </a:fillStyleLst>
+      <a:lnStyleLst>
+        <a:ln w="9525" cap="flat" cmpd="sng" algn="ctr">
+          <a:solidFill>
+            <a:schemeClr val="phClr">
+              <a:shade val="95000"/>
+              <a:satMod val="105000"/>
+            </a:schemeClr>
+          </a:solidFill>
+          <a:prstDash val="solid"/>
+        </a:ln>
+        <a:ln w="25400" cap="flat" cmpd="sng" algn="ctr">
+          <a:solidFill>
+            <a:schemeClr val="phClr"/>
+          </a:solidFill>
+          <a:prstDash val="solid"/>
+        </a:ln>
+        <a:ln w="38100" cap="flat" cmpd="sng" algn="ctr">
+          <a:solidFill>
+            <a:schemeClr val="phClr"/>
+          </a:solidFill>
+          <a:prstDash val="solid"/>
+        </a:ln>
+      </a:lnStyleLst>
+      <a:effectStyleLst>
+        <a:effectStyle>
+          <a:effectLst>
+            <a:outerShdw blurRad="40000" dist="20000" dir="5400000" rotWithShape="0">
+              <a:srgbClr val="000000">
+                <a:alpha val="38000"/>
+              </a:srgbClr>
+            </a:outerShdw>
+          </a:effectLst>
+        </a:effectStyle>
+        <a:effectStyle>
+          <a:effectLst>
+            <a:outerShdw blurRad="40000" dist="23000" dir="5400000" rotWithShape="0">
+              <a:srgbClr val="000000">
+                <a:alpha val="35000"/>
+              </a:srgbClr>
+            </a:outerShdw>
+          </a:effectLst>
+        </a:effectStyle>
+        <a:effectStyle>
+          <a:effectLst>
+            <a:outerShdw blurRad="40000" dist="23000" dir="5400000" rotWithShape="0">
+              <a:srgbClr val="000000">
+                <a:alpha val="35000"/>
+              </a:srgbClr>
+            </a:outerShdw>
+          </a:effectLst>
+          <a:scene3d>
+            <a:camera prst="orthographicFront">
+              <a:rot lat="0" lon="0" rev="0"/>
+            </a:camera>
+            <a:lightRig rig="threePt" dir="t">
+              <a:rot lat="0" lon="0" rev="1200000"/>
+            </a:lightRig>
+          </a:scene3d>
+          <a:sp3d>
+            <a:bevelT w="63500" h="25400"/>
+          </a:sp3d>
+        </a:effectStyle>
+      </a:effectStyleLst>
+      <a:bgFillStyleLst>
+        <a:solidFill>
+          <a:schemeClr val="phClr"/>
+        </a:solidFill>
+        <a:gradFill rotWithShape="1">
+          <a:gsLst>
+            <a:gs pos="0">
+              <a:schemeClr val="phClr">
+                <a:tint val="40000"/>
+                <a:satMod val="350000"/>
+              </a:schemeClr>
+            </a:gs>
+            <a:gs pos="40000">
+              <a:schemeClr val="phClr">
+                <a:tint val="45000"/>
+                <a:shade val="99000"/>
+                <a:satMod val="350000"/>
+              </a:schemeClr>
+            </a:gs>
+            <a:gs pos="100000">
+              <a:schemeClr val="phClr">
+                <a:shade val="20000"/>
+                <a:satMod val="255000"/>
+              </a:schemeClr>
+            </a:gs>
+          </a:gsLst>
+          <a:path path="circle">
+            <a:fillToRect l="50000" t="-80000" r="50000" b="180000"/>
+          </a:path>
+        </a:gradFill>
+        <a:gradFill rotWithShape="1">
+          <a:gsLst>
+            <a:gs pos="0">
+              <a:schemeClr val="phClr">
+                <a:tint val="80000"/>
+                <a:satMod val="300000"/>
+              </a:schemeClr>
+            </a:gs>
+            <a:gs pos="100000">
+              <a:schemeClr val="phClr">
+                <a:shade val="30000"/>
+                <a:satMod val="200000"/>
+              </a:schemeClr>
+            </a:gs>
+          </a:gsLst>
+          <a:path path="circle">
+            <a:fillToRect l="50000" t="50000" r="50000" b="50000"/>
+          </a:path>
+        </a:gradFill>
+      </a:bgFillStyleLst>
+    </a:fmtScheme>
+  </a:themeElements>
+  <a:objectDefaults/>
+  <a:extraClrSchemeLst/>
+</a:theme>
 </file>